--- a/Email Management System SpringBoot.pptx
+++ b/Email Management System SpringBoot.pptx
@@ -5,7 +5,7 @@
     <p:sldMasterId id="2147483648" r:id="rId1"/>
   </p:sldMasterIdLst>
   <p:notesMasterIdLst>
-    <p:notesMasterId r:id="rId18"/>
+    <p:notesMasterId r:id="rId23"/>
   </p:notesMasterIdLst>
   <p:sldIdLst>
     <p:sldId id="256" r:id="rId2"/>
@@ -21,9 +21,14 @@
     <p:sldId id="264" r:id="rId12"/>
     <p:sldId id="265" r:id="rId13"/>
     <p:sldId id="266" r:id="rId14"/>
-    <p:sldId id="269" r:id="rId15"/>
-    <p:sldId id="267" r:id="rId16"/>
-    <p:sldId id="268" r:id="rId17"/>
+    <p:sldId id="273" r:id="rId15"/>
+    <p:sldId id="275" r:id="rId16"/>
+    <p:sldId id="274" r:id="rId17"/>
+    <p:sldId id="276" r:id="rId18"/>
+    <p:sldId id="277" r:id="rId19"/>
+    <p:sldId id="269" r:id="rId20"/>
+    <p:sldId id="267" r:id="rId21"/>
+    <p:sldId id="268" r:id="rId22"/>
   </p:sldIdLst>
   <p:sldSz cx="12192000" cy="6858000"/>
   <p:notesSz cx="6858000" cy="9144000"/>
@@ -2025,6 +2030,13 @@
         </dgm:presLayoutVars>
       </dgm:prSet>
       <dgm:spPr/>
+      <dgm:t>
+        <a:bodyPr/>
+        <a:lstStyle/>
+        <a:p>
+          <a:endParaRPr lang="en-US"/>
+        </a:p>
+      </dgm:t>
     </dgm:pt>
     <dgm:pt modelId="{92C55958-2D51-4B5F-AAC1-B601B4200F2E}" type="pres">
       <dgm:prSet presAssocID="{246AF852-DDE1-415C-B988-31F12EC85284}" presName="parentText" presStyleLbl="node1" presStyleIdx="0" presStyleCnt="7" custLinFactNeighborY="-29576">
@@ -2038,6 +2050,13 @@
           <a:avLst/>
         </a:prstGeom>
       </dgm:spPr>
+      <dgm:t>
+        <a:bodyPr/>
+        <a:lstStyle/>
+        <a:p>
+          <a:endParaRPr lang="en-US"/>
+        </a:p>
+      </dgm:t>
     </dgm:pt>
     <dgm:pt modelId="{40E64A04-3936-40A7-8EA0-03A1373F3708}" type="pres">
       <dgm:prSet presAssocID="{AB8EC9A8-EC2D-4436-9244-F89945B9A8EE}" presName="spacer" presStyleCnt="0"/>
@@ -2055,6 +2074,13 @@
           <a:avLst/>
         </a:prstGeom>
       </dgm:spPr>
+      <dgm:t>
+        <a:bodyPr/>
+        <a:lstStyle/>
+        <a:p>
+          <a:endParaRPr lang="en-US"/>
+        </a:p>
+      </dgm:t>
     </dgm:pt>
     <dgm:pt modelId="{3E15D2A5-48CF-42D5-A4F8-E06698C878D0}" type="pres">
       <dgm:prSet presAssocID="{9DCBFB32-409D-4B9B-854F-2321FD209277}" presName="spacer" presStyleCnt="0"/>
@@ -2072,6 +2098,13 @@
           <a:avLst/>
         </a:prstGeom>
       </dgm:spPr>
+      <dgm:t>
+        <a:bodyPr/>
+        <a:lstStyle/>
+        <a:p>
+          <a:endParaRPr lang="en-US"/>
+        </a:p>
+      </dgm:t>
     </dgm:pt>
     <dgm:pt modelId="{1A5FF5C8-9B78-4DC5-B456-A5D0EFDD45D8}" type="pres">
       <dgm:prSet presAssocID="{17E095E6-16DB-4750-8310-DB4D8A37F19A}" presName="spacer" presStyleCnt="0"/>
@@ -2089,6 +2122,13 @@
           <a:avLst/>
         </a:prstGeom>
       </dgm:spPr>
+      <dgm:t>
+        <a:bodyPr/>
+        <a:lstStyle/>
+        <a:p>
+          <a:endParaRPr lang="en-US"/>
+        </a:p>
+      </dgm:t>
     </dgm:pt>
     <dgm:pt modelId="{55E01A79-9B1B-4333-A02F-D5DADD0F2C1A}" type="pres">
       <dgm:prSet presAssocID="{A3F2FB98-F01B-430E-B47B-56B3B33A67DC}" presName="spacer" presStyleCnt="0"/>
@@ -2106,6 +2146,13 @@
           <a:avLst/>
         </a:prstGeom>
       </dgm:spPr>
+      <dgm:t>
+        <a:bodyPr/>
+        <a:lstStyle/>
+        <a:p>
+          <a:endParaRPr lang="en-US"/>
+        </a:p>
+      </dgm:t>
     </dgm:pt>
     <dgm:pt modelId="{683D7029-0E10-4CFD-9322-0150ECC7E0ED}" type="pres">
       <dgm:prSet presAssocID="{5B50D470-AE4A-42B4-9D97-BB695614BF7F}" presName="spacer" presStyleCnt="0"/>
@@ -2123,6 +2170,13 @@
           <a:avLst/>
         </a:prstGeom>
       </dgm:spPr>
+      <dgm:t>
+        <a:bodyPr/>
+        <a:lstStyle/>
+        <a:p>
+          <a:endParaRPr lang="en-US"/>
+        </a:p>
+      </dgm:t>
     </dgm:pt>
     <dgm:pt modelId="{05D4F203-2C5C-4DA3-8959-DBEFE118F600}" type="pres">
       <dgm:prSet presAssocID="{4D72A72B-9175-425E-BFD0-9CD59FFE863B}" presName="spacer" presStyleCnt="0"/>
@@ -2140,6 +2194,13 @@
           <a:avLst/>
         </a:prstGeom>
       </dgm:spPr>
+      <dgm:t>
+        <a:bodyPr/>
+        <a:lstStyle/>
+        <a:p>
+          <a:endParaRPr lang="en-US"/>
+        </a:p>
+      </dgm:t>
     </dgm:pt>
   </dgm:ptLst>
   <dgm:cxnLst>
@@ -2416,6 +2477,13 @@
         </dgm:presLayoutVars>
       </dgm:prSet>
       <dgm:spPr/>
+      <dgm:t>
+        <a:bodyPr/>
+        <a:lstStyle/>
+        <a:p>
+          <a:endParaRPr lang="en-US"/>
+        </a:p>
+      </dgm:t>
     </dgm:pt>
     <dgm:pt modelId="{774E9F79-EAA7-431C-8C8F-FD04DF98C649}" type="pres">
       <dgm:prSet presAssocID="{0401692A-9D7A-45A5-8625-ED709B448D59}" presName="parentText" presStyleLbl="node1" presStyleIdx="0" presStyleCnt="4">
@@ -2425,6 +2493,13 @@
         </dgm:presLayoutVars>
       </dgm:prSet>
       <dgm:spPr/>
+      <dgm:t>
+        <a:bodyPr/>
+        <a:lstStyle/>
+        <a:p>
+          <a:endParaRPr lang="en-US"/>
+        </a:p>
+      </dgm:t>
     </dgm:pt>
     <dgm:pt modelId="{38BC8B1A-40D5-4D3A-873E-6F04DA3EDF1F}" type="pres">
       <dgm:prSet presAssocID="{DAB854B6-0428-4C21-887B-2B5E679A78EC}" presName="spacer" presStyleCnt="0"/>
@@ -2438,6 +2513,13 @@
         </dgm:presLayoutVars>
       </dgm:prSet>
       <dgm:spPr/>
+      <dgm:t>
+        <a:bodyPr/>
+        <a:lstStyle/>
+        <a:p>
+          <a:endParaRPr lang="en-US"/>
+        </a:p>
+      </dgm:t>
     </dgm:pt>
     <dgm:pt modelId="{F72C9D46-3BCA-46CE-80F4-F5B1ECEA2CBD}" type="pres">
       <dgm:prSet presAssocID="{D38FD472-F014-48BB-8FC7-22B86FC9E6E1}" presName="spacer" presStyleCnt="0"/>
@@ -2451,6 +2533,13 @@
         </dgm:presLayoutVars>
       </dgm:prSet>
       <dgm:spPr/>
+      <dgm:t>
+        <a:bodyPr/>
+        <a:lstStyle/>
+        <a:p>
+          <a:endParaRPr lang="en-US"/>
+        </a:p>
+      </dgm:t>
     </dgm:pt>
     <dgm:pt modelId="{E01DA6BE-25F9-4F82-A955-5692A9DAC149}" type="pres">
       <dgm:prSet presAssocID="{901B91D3-D028-49F2-A61E-BF9917F90154}" presName="spacer" presStyleCnt="0"/>
@@ -2464,6 +2553,13 @@
         </dgm:presLayoutVars>
       </dgm:prSet>
       <dgm:spPr/>
+      <dgm:t>
+        <a:bodyPr/>
+        <a:lstStyle/>
+        <a:p>
+          <a:endParaRPr lang="en-US"/>
+        </a:p>
+      </dgm:t>
     </dgm:pt>
   </dgm:ptLst>
   <dgm:cxnLst>
@@ -5923,7 +6019,7 @@
           <a:p>
             <a:fld id="{8B43B379-1E8A-43A1-A903-241871B78207}" type="datetimeFigureOut">
               <a:rPr lang="en-IN" smtClean="0"/>
-              <a:t>11-04-2022</a:t>
+              <a:t>13-04-2022</a:t>
             </a:fld>
             <a:endParaRPr lang="en-IN"/>
           </a:p>
@@ -6918,7 +7014,7 @@
             <a:fld id="{B61BEF0D-F0BB-DE4B-95CE-6DB70DBA9567}" type="datetimeFigureOut">
               <a:rPr lang="en-US" dirty="0"/>
               <a:pPr/>
-              <a:t>4/11/2022</a:t>
+              <a:t>4/13/2022</a:t>
             </a:fld>
             <a:endParaRPr lang="en-US" dirty="0"/>
           </a:p>
@@ -7166,7 +7262,7 @@
             <a:fld id="{B61BEF0D-F0BB-DE4B-95CE-6DB70DBA9567}" type="datetimeFigureOut">
               <a:rPr lang="en-US" dirty="0"/>
               <a:pPr/>
-              <a:t>4/11/2022</a:t>
+              <a:t>4/13/2022</a:t>
             </a:fld>
             <a:endParaRPr lang="en-US" dirty="0"/>
           </a:p>
@@ -7477,7 +7573,7 @@
             <a:fld id="{B61BEF0D-F0BB-DE4B-95CE-6DB70DBA9567}" type="datetimeFigureOut">
               <a:rPr lang="en-US" dirty="0"/>
               <a:pPr/>
-              <a:t>4/11/2022</a:t>
+              <a:t>4/13/2022</a:t>
             </a:fld>
             <a:endParaRPr lang="en-US" dirty="0"/>
           </a:p>
@@ -7801,7 +7897,7 @@
             <a:fld id="{B61BEF0D-F0BB-DE4B-95CE-6DB70DBA9567}" type="datetimeFigureOut">
               <a:rPr lang="en-US" dirty="0"/>
               <a:pPr/>
-              <a:t>4/11/2022</a:t>
+              <a:t>4/13/2022</a:t>
             </a:fld>
             <a:endParaRPr lang="en-US" dirty="0"/>
           </a:p>
@@ -8112,7 +8208,7 @@
             <a:fld id="{B61BEF0D-F0BB-DE4B-95CE-6DB70DBA9567}" type="datetimeFigureOut">
               <a:rPr lang="en-US" dirty="0"/>
               <a:pPr/>
-              <a:t>4/11/2022</a:t>
+              <a:t>4/13/2022</a:t>
             </a:fld>
             <a:endParaRPr lang="en-US" dirty="0"/>
           </a:p>
@@ -8496,7 +8592,7 @@
             <a:fld id="{B61BEF0D-F0BB-DE4B-95CE-6DB70DBA9567}" type="datetimeFigureOut">
               <a:rPr lang="en-US" dirty="0"/>
               <a:pPr/>
-              <a:t>4/11/2022</a:t>
+              <a:t>4/13/2022</a:t>
             </a:fld>
             <a:endParaRPr lang="en-US" dirty="0"/>
           </a:p>
@@ -8662,7 +8758,7 @@
           <a:p>
             <a:fld id="{55C6B4A9-1611-4792-9094-5F34BCA07E0B}" type="datetimeFigureOut">
               <a:rPr lang="en-US" dirty="0"/>
-              <a:t>4/11/2022</a:t>
+              <a:t>4/13/2022</a:t>
             </a:fld>
             <a:endParaRPr lang="en-US" dirty="0"/>
           </a:p>
@@ -8838,7 +8934,7 @@
             <a:fld id="{B61BEF0D-F0BB-DE4B-95CE-6DB70DBA9567}" type="datetimeFigureOut">
               <a:rPr lang="en-US" dirty="0"/>
               <a:pPr/>
-              <a:t>4/11/2022</a:t>
+              <a:t>4/13/2022</a:t>
             </a:fld>
             <a:endParaRPr lang="en-US" dirty="0"/>
           </a:p>
@@ -9004,7 +9100,7 @@
           <a:p>
             <a:fld id="{42A54C80-263E-416B-A8E0-580EDEADCBDC}" type="datetimeFigureOut">
               <a:rPr lang="en-US" dirty="0"/>
-              <a:t>4/11/2022</a:t>
+              <a:t>4/13/2022</a:t>
             </a:fld>
             <a:endParaRPr lang="en-US" dirty="0"/>
           </a:p>
@@ -9247,7 +9343,7 @@
             <a:fld id="{B61BEF0D-F0BB-DE4B-95CE-6DB70DBA9567}" type="datetimeFigureOut">
               <a:rPr lang="en-US" dirty="0"/>
               <a:pPr/>
-              <a:t>4/11/2022</a:t>
+              <a:t>4/13/2022</a:t>
             </a:fld>
             <a:endParaRPr lang="en-US" dirty="0"/>
           </a:p>
@@ -9475,7 +9571,7 @@
           <a:p>
             <a:fld id="{42A54C80-263E-416B-A8E0-580EDEADCBDC}" type="datetimeFigureOut">
               <a:rPr lang="en-US" dirty="0"/>
-              <a:t>4/11/2022</a:t>
+              <a:t>4/13/2022</a:t>
             </a:fld>
             <a:endParaRPr lang="en-US" dirty="0"/>
           </a:p>
@@ -9845,7 +9941,7 @@
             <a:fld id="{B61BEF0D-F0BB-DE4B-95CE-6DB70DBA9567}" type="datetimeFigureOut">
               <a:rPr lang="en-US" dirty="0"/>
               <a:pPr/>
-              <a:t>4/11/2022</a:t>
+              <a:t>4/13/2022</a:t>
             </a:fld>
             <a:endParaRPr lang="en-US" dirty="0"/>
           </a:p>
@@ -9965,7 +10061,7 @@
             <a:fld id="{B61BEF0D-F0BB-DE4B-95CE-6DB70DBA9567}" type="datetimeFigureOut">
               <a:rPr lang="en-US" dirty="0"/>
               <a:pPr/>
-              <a:t>4/11/2022</a:t>
+              <a:t>4/13/2022</a:t>
             </a:fld>
             <a:endParaRPr lang="en-US" dirty="0"/>
           </a:p>
@@ -10057,7 +10153,7 @@
             <a:fld id="{B61BEF0D-F0BB-DE4B-95CE-6DB70DBA9567}" type="datetimeFigureOut">
               <a:rPr lang="en-US" dirty="0"/>
               <a:pPr/>
-              <a:t>4/11/2022</a:t>
+              <a:t>4/13/2022</a:t>
             </a:fld>
             <a:endParaRPr lang="en-US" dirty="0"/>
           </a:p>
@@ -10308,7 +10404,7 @@
           <a:p>
             <a:fld id="{42A54C80-263E-416B-A8E0-580EDEADCBDC}" type="datetimeFigureOut">
               <a:rPr lang="en-US" dirty="0"/>
-              <a:t>4/11/2022</a:t>
+              <a:t>4/13/2022</a:t>
             </a:fld>
             <a:endParaRPr lang="en-US" dirty="0"/>
           </a:p>
@@ -10567,7 +10663,7 @@
             <a:fld id="{B61BEF0D-F0BB-DE4B-95CE-6DB70DBA9567}" type="datetimeFigureOut">
               <a:rPr lang="en-US" dirty="0"/>
               <a:pPr/>
-              <a:t>4/11/2022</a:t>
+              <a:t>4/13/2022</a:t>
             </a:fld>
             <a:endParaRPr lang="en-US" dirty="0"/>
           </a:p>
@@ -11309,7 +11405,7 @@
             <a:fld id="{B61BEF0D-F0BB-DE4B-95CE-6DB70DBA9567}" type="datetimeFigureOut">
               <a:rPr lang="en-US" dirty="0"/>
               <a:pPr/>
-              <a:t>4/11/2022</a:t>
+              <a:t>4/13/2022</a:t>
             </a:fld>
             <a:endParaRPr lang="en-US" dirty="0"/>
           </a:p>
@@ -12342,39 +12438,40 @@
           <a:chExt cx="0" cy="0"/>
         </a:xfrm>
       </p:grpSpPr>
+      <p:pic>
+        <p:nvPicPr>
+          <p:cNvPr id="3" name="Picture 2"/>
+          <p:cNvPicPr>
+            <a:picLocks noChangeAspect="1"/>
+          </p:cNvPicPr>
+          <p:nvPr/>
+        </p:nvPicPr>
+        <p:blipFill>
+          <a:blip r:embed="rId2"/>
+          <a:stretch>
+            <a:fillRect/>
+          </a:stretch>
+        </p:blipFill>
+        <p:spPr>
+          <a:xfrm>
+            <a:off x="0" y="0"/>
+            <a:ext cx="10802867" cy="6087499"/>
+          </a:xfrm>
+          <a:prstGeom prst="rect">
+            <a:avLst/>
+          </a:prstGeom>
+        </p:spPr>
+      </p:pic>
       <p:sp>
         <p:nvSpPr>
-          <p:cNvPr id="2" name="Title 1"/>
-          <p:cNvSpPr>
-            <a:spLocks noGrp="1"/>
-          </p:cNvSpPr>
-          <p:nvPr>
-            <p:ph type="title"/>
-          </p:nvPr>
-        </p:nvSpPr>
-        <p:spPr/>
-        <p:txBody>
-          <a:bodyPr/>
-          <a:lstStyle/>
-          <a:p>
-            <a:r>
-              <a:rPr lang="en-GB" dirty="0" smtClean="0"/>
-              <a:t>Advantages:</a:t>
-            </a:r>
-            <a:endParaRPr lang="en-IN" dirty="0"/>
-          </a:p>
-        </p:txBody>
-      </p:sp>
-      <p:sp>
-        <p:nvSpPr>
-          <p:cNvPr id="3" name="TextBox 2"/>
+          <p:cNvPr id="4" name="TextBox 3"/>
           <p:cNvSpPr txBox="1"/>
           <p:nvPr/>
         </p:nvSpPr>
         <p:spPr>
           <a:xfrm>
-            <a:off x="760651" y="1715512"/>
-            <a:ext cx="8253876" cy="2554545"/>
+            <a:off x="582627" y="6141855"/>
+            <a:ext cx="8253876" cy="369332"/>
           </a:xfrm>
           <a:prstGeom prst="rect">
             <a:avLst/>
@@ -12387,77 +12484,18 @@
           </a:bodyPr>
           <a:lstStyle/>
           <a:p>
-            <a:pPr marL="342900" indent="-342900">
-              <a:buFont typeface="+mj-lt"/>
-              <a:buAutoNum type="arabicPeriod"/>
-            </a:pPr>
-            <a:r>
-              <a:rPr lang="en-GB" sz="2000" dirty="0"/>
-              <a:t>E-mails turn to be cheaper alternative to telephone conversation.</a:t>
-            </a:r>
-          </a:p>
-          <a:p>
-            <a:pPr marL="342900" indent="-342900">
-              <a:buFont typeface="+mj-lt"/>
-              <a:buAutoNum type="arabicPeriod"/>
-            </a:pPr>
-            <a:endParaRPr lang="en-GB" sz="2000" dirty="0"/>
-          </a:p>
-          <a:p>
-            <a:pPr marL="342900" indent="-342900">
-              <a:buFont typeface="+mj-lt"/>
-              <a:buAutoNum type="arabicPeriod"/>
-            </a:pPr>
-            <a:r>
-              <a:rPr lang="en-GB" sz="2000" dirty="0"/>
-              <a:t>Eliminates time spent in establishing telephone calls.</a:t>
-            </a:r>
-          </a:p>
-          <a:p>
-            <a:pPr marL="342900" indent="-342900">
-              <a:buFont typeface="+mj-lt"/>
-              <a:buAutoNum type="arabicPeriod"/>
-            </a:pPr>
-            <a:endParaRPr lang="en-GB" sz="2000" dirty="0"/>
-          </a:p>
-          <a:p>
-            <a:pPr marL="342900" indent="-342900">
-              <a:buFont typeface="+mj-lt"/>
-              <a:buAutoNum type="arabicPeriod"/>
-            </a:pPr>
-            <a:r>
-              <a:rPr lang="en-GB" sz="2000" dirty="0"/>
-              <a:t>Email saves environment as it is a paperless communication.</a:t>
-            </a:r>
-          </a:p>
-          <a:p>
-            <a:pPr marL="342900" indent="-342900">
-              <a:buFont typeface="+mj-lt"/>
-              <a:buAutoNum type="arabicPeriod"/>
-            </a:pPr>
-            <a:endParaRPr lang="en-GB" sz="2000" dirty="0"/>
-          </a:p>
-          <a:p>
-            <a:pPr marL="342900" indent="-342900">
-              <a:buFont typeface="+mj-lt"/>
-              <a:buAutoNum type="arabicPeriod"/>
-            </a:pPr>
-            <a:r>
-              <a:rPr lang="en-GB" sz="2000" dirty="0"/>
-              <a:t>Emails are more convenient than any other mode of communication</a:t>
-            </a:r>
-            <a:r>
-              <a:rPr lang="en-GB" sz="2000" dirty="0" smtClean="0"/>
-              <a:t>. </a:t>
-            </a:r>
-            <a:endParaRPr lang="en-IN" sz="2000" dirty="0"/>
+            <a:r>
+              <a:rPr lang="en-GB" dirty="0" smtClean="0"/>
+              <a:t>Fig.-Index page and features provided</a:t>
+            </a:r>
+            <a:endParaRPr lang="en-IN" dirty="0"/>
           </a:p>
         </p:txBody>
       </p:sp>
     </p:spTree>
     <p:extLst>
       <p:ext uri="{BB962C8B-B14F-4D97-AF65-F5344CB8AC3E}">
-        <p14:creationId xmlns:p14="http://schemas.microsoft.com/office/powerpoint/2010/main" val="2295314043"/>
+        <p14:creationId xmlns:p14="http://schemas.microsoft.com/office/powerpoint/2010/main" val="1476152990"/>
       </p:ext>
     </p:extLst>
   </p:cSld>
@@ -12484,44 +12522,40 @@
           <a:chExt cx="0" cy="0"/>
         </a:xfrm>
       </p:grpSpPr>
+      <p:pic>
+        <p:nvPicPr>
+          <p:cNvPr id="3" name="Picture 2"/>
+          <p:cNvPicPr>
+            <a:picLocks noChangeAspect="1"/>
+          </p:cNvPicPr>
+          <p:nvPr/>
+        </p:nvPicPr>
+        <p:blipFill>
+          <a:blip r:embed="rId2"/>
+          <a:stretch>
+            <a:fillRect/>
+          </a:stretch>
+        </p:blipFill>
+        <p:spPr>
+          <a:xfrm>
+            <a:off x="0" y="0"/>
+            <a:ext cx="9028915" cy="6421734"/>
+          </a:xfrm>
+          <a:prstGeom prst="rect">
+            <a:avLst/>
+          </a:prstGeom>
+        </p:spPr>
+      </p:pic>
       <p:sp>
         <p:nvSpPr>
-          <p:cNvPr id="2" name="Title 1"/>
-          <p:cNvSpPr>
-            <a:spLocks noGrp="1"/>
-          </p:cNvSpPr>
-          <p:nvPr>
-            <p:ph type="title"/>
-          </p:nvPr>
-        </p:nvSpPr>
-        <p:spPr>
-          <a:xfrm>
-            <a:off x="458849" y="302103"/>
-            <a:ext cx="8596668" cy="1320800"/>
-          </a:xfrm>
-        </p:spPr>
-        <p:txBody>
-          <a:bodyPr/>
-          <a:lstStyle/>
-          <a:p>
-            <a:r>
-              <a:rPr lang="en-GB" dirty="0" smtClean="0"/>
-              <a:t>References:</a:t>
-            </a:r>
-            <a:endParaRPr lang="en-IN" dirty="0"/>
-          </a:p>
-        </p:txBody>
-      </p:sp>
-      <p:sp>
-        <p:nvSpPr>
-          <p:cNvPr id="5" name="TextBox 4"/>
+          <p:cNvPr id="4" name="TextBox 3"/>
           <p:cNvSpPr txBox="1"/>
           <p:nvPr/>
         </p:nvSpPr>
         <p:spPr>
           <a:xfrm>
-            <a:off x="612598" y="1229989"/>
-            <a:ext cx="8725611" cy="5632311"/>
+            <a:off x="542166" y="6488668"/>
+            <a:ext cx="8876963" cy="369332"/>
           </a:xfrm>
           <a:prstGeom prst="rect">
             <a:avLst/>
@@ -12534,216 +12568,10 @@
           </a:bodyPr>
           <a:lstStyle/>
           <a:p>
-            <a:pPr marL="285750" indent="-285750">
-              <a:buFont typeface="Arial" panose="020B0604020202020204" pitchFamily="34" charset="0"/>
-              <a:buChar char="•"/>
-            </a:pPr>
-            <a:r>
-              <a:rPr lang="en-IN" dirty="0">
-                <a:hlinkClick r:id="rId2"/>
-              </a:rPr>
-              <a:t>https://www.postman.com/downloads</a:t>
-            </a:r>
-            <a:r>
-              <a:rPr lang="en-IN" dirty="0" smtClean="0">
-                <a:hlinkClick r:id="rId2"/>
-              </a:rPr>
-              <a:t>/</a:t>
-            </a:r>
-            <a:endParaRPr lang="en-IN" dirty="0" smtClean="0"/>
-          </a:p>
-          <a:p>
-            <a:pPr marL="285750" indent="-285750">
-              <a:buFont typeface="Arial" panose="020B0604020202020204" pitchFamily="34" charset="0"/>
-              <a:buChar char="•"/>
-            </a:pPr>
-            <a:endParaRPr lang="en-IN" dirty="0" smtClean="0"/>
-          </a:p>
-          <a:p>
-            <a:pPr marL="285750" indent="-285750">
-              <a:buFont typeface="Arial" panose="020B0604020202020204" pitchFamily="34" charset="0"/>
-              <a:buChar char="•"/>
-            </a:pPr>
-            <a:r>
-              <a:rPr lang="en-IN" dirty="0">
-                <a:hlinkClick r:id="rId3"/>
-              </a:rPr>
-              <a:t>https://start.spring.io</a:t>
-            </a:r>
-            <a:r>
-              <a:rPr lang="en-IN" dirty="0" smtClean="0">
-                <a:hlinkClick r:id="rId3"/>
-              </a:rPr>
-              <a:t>/</a:t>
-            </a:r>
-            <a:endParaRPr lang="en-IN" dirty="0" smtClean="0"/>
-          </a:p>
-          <a:p>
-            <a:pPr marL="285750" indent="-285750">
-              <a:buFont typeface="Arial" panose="020B0604020202020204" pitchFamily="34" charset="0"/>
-              <a:buChar char="•"/>
-            </a:pPr>
-            <a:endParaRPr lang="en-GB" dirty="0"/>
-          </a:p>
-          <a:p>
-            <a:pPr marL="285750" indent="-285750">
-              <a:buFont typeface="Arial" panose="020B0604020202020204" pitchFamily="34" charset="0"/>
-              <a:buChar char="•"/>
-            </a:pPr>
-            <a:r>
-              <a:rPr lang="en-IN" dirty="0">
-                <a:hlinkClick r:id="rId4"/>
-              </a:rPr>
-              <a:t>https://</a:t>
-            </a:r>
-            <a:r>
-              <a:rPr lang="en-IN" dirty="0" smtClean="0">
-                <a:hlinkClick r:id="rId4"/>
-              </a:rPr>
-              <a:t>my.vertabelo.com/logical/model/VeuYCyhmr665UmmTWCIENaSlxSVSe0nm</a:t>
-            </a:r>
-            <a:endParaRPr lang="en-IN" dirty="0" smtClean="0"/>
-          </a:p>
-          <a:p>
-            <a:pPr marL="285750" indent="-285750">
-              <a:buFont typeface="Arial" panose="020B0604020202020204" pitchFamily="34" charset="0"/>
-              <a:buChar char="•"/>
-            </a:pPr>
-            <a:r>
-              <a:rPr lang="en-IN" dirty="0">
-                <a:hlinkClick r:id="rId5"/>
-              </a:rPr>
-              <a:t>https://www.phpmyadmin.net</a:t>
-            </a:r>
-            <a:r>
-              <a:rPr lang="en-IN" dirty="0" smtClean="0">
-                <a:hlinkClick r:id="rId5"/>
-              </a:rPr>
-              <a:t>/</a:t>
-            </a:r>
-            <a:endParaRPr lang="en-IN" dirty="0" smtClean="0"/>
-          </a:p>
-          <a:p>
-            <a:pPr marL="285750" indent="-285750">
-              <a:buFont typeface="Arial" panose="020B0604020202020204" pitchFamily="34" charset="0"/>
-              <a:buChar char="•"/>
-            </a:pPr>
-            <a:endParaRPr lang="en-IN" dirty="0" smtClean="0"/>
-          </a:p>
-          <a:p>
-            <a:pPr marL="285750" indent="-285750">
-              <a:buFont typeface="Arial" panose="020B0604020202020204" pitchFamily="34" charset="0"/>
-              <a:buChar char="•"/>
-            </a:pPr>
-            <a:r>
-              <a:rPr lang="en-IN" dirty="0">
-                <a:hlinkClick r:id="rId6"/>
-              </a:rPr>
-              <a:t>https://</a:t>
-            </a:r>
-            <a:r>
-              <a:rPr lang="en-IN" dirty="0" smtClean="0">
-                <a:hlinkClick r:id="rId6"/>
-              </a:rPr>
-              <a:t>www.sublimetext.com/download</a:t>
-            </a:r>
-            <a:endParaRPr lang="en-IN" dirty="0" smtClean="0"/>
-          </a:p>
-          <a:p>
-            <a:pPr marL="285750" indent="-285750">
-              <a:buFont typeface="Arial" panose="020B0604020202020204" pitchFamily="34" charset="0"/>
-              <a:buChar char="•"/>
-            </a:pPr>
-            <a:endParaRPr lang="en-GB" dirty="0"/>
-          </a:p>
-          <a:p>
-            <a:pPr marL="285750" indent="-285750">
-              <a:buFont typeface="Arial" panose="020B0604020202020204" pitchFamily="34" charset="0"/>
-              <a:buChar char="•"/>
-            </a:pPr>
-            <a:r>
-              <a:rPr lang="en-IN" dirty="0">
-                <a:hlinkClick r:id="rId7"/>
-              </a:rPr>
-              <a:t>https://</a:t>
-            </a:r>
-            <a:r>
-              <a:rPr lang="en-IN" dirty="0" smtClean="0">
-                <a:hlinkClick r:id="rId7"/>
-              </a:rPr>
-              <a:t>www.w3schools.com/html/html_images.asp</a:t>
-            </a:r>
-            <a:endParaRPr lang="en-IN" dirty="0" smtClean="0"/>
-          </a:p>
-          <a:p>
-            <a:pPr marL="285750" indent="-285750">
-              <a:buFont typeface="Arial" panose="020B0604020202020204" pitchFamily="34" charset="0"/>
-              <a:buChar char="•"/>
-            </a:pPr>
-            <a:endParaRPr lang="en-GB" dirty="0"/>
-          </a:p>
-          <a:p>
-            <a:pPr marL="285750" indent="-285750">
-              <a:buFont typeface="Arial" panose="020B0604020202020204" pitchFamily="34" charset="0"/>
-              <a:buChar char="•"/>
-            </a:pPr>
-            <a:r>
-              <a:rPr lang="en-IN" dirty="0">
-                <a:hlinkClick r:id="rId8"/>
-              </a:rPr>
-              <a:t>https://</a:t>
-            </a:r>
-            <a:r>
-              <a:rPr lang="en-IN" dirty="0" smtClean="0">
-                <a:hlinkClick r:id="rId8"/>
-              </a:rPr>
-              <a:t>www.w3schools.com/html/html_classes.asp</a:t>
-            </a:r>
-            <a:endParaRPr lang="en-IN" dirty="0" smtClean="0"/>
-          </a:p>
-          <a:p>
-            <a:pPr marL="285750" indent="-285750">
-              <a:buFont typeface="Arial" panose="020B0604020202020204" pitchFamily="34" charset="0"/>
-              <a:buChar char="•"/>
-            </a:pPr>
-            <a:endParaRPr lang="en-IN" dirty="0"/>
-          </a:p>
-          <a:p>
-            <a:pPr marL="285750" indent="-285750">
-              <a:buFont typeface="Arial" panose="020B0604020202020204" pitchFamily="34" charset="0"/>
-              <a:buChar char="•"/>
-            </a:pPr>
-            <a:endParaRPr lang="en-IN" dirty="0"/>
-          </a:p>
-          <a:p>
-            <a:pPr marL="285750" indent="-285750">
-              <a:buFont typeface="Arial" panose="020B0604020202020204" pitchFamily="34" charset="0"/>
-              <a:buChar char="•"/>
-            </a:pPr>
-            <a:endParaRPr lang="en-IN" dirty="0" smtClean="0"/>
-          </a:p>
-          <a:p>
-            <a:pPr marL="285750" indent="-285750">
-              <a:buFont typeface="Arial" panose="020B0604020202020204" pitchFamily="34" charset="0"/>
-              <a:buChar char="•"/>
-            </a:pPr>
-            <a:endParaRPr lang="en-GB" dirty="0"/>
-          </a:p>
-          <a:p>
-            <a:endParaRPr lang="en-IN" dirty="0"/>
-          </a:p>
-          <a:p>
-            <a:pPr marL="285750" indent="-285750">
-              <a:buFont typeface="Arial" panose="020B0604020202020204" pitchFamily="34" charset="0"/>
-              <a:buChar char="•"/>
-            </a:pPr>
-            <a:endParaRPr lang="en-GB" dirty="0" smtClean="0"/>
-          </a:p>
-          <a:p>
-            <a:pPr marL="285750" indent="-285750">
-              <a:buFont typeface="Arial" panose="020B0604020202020204" pitchFamily="34" charset="0"/>
-              <a:buChar char="•"/>
-            </a:pPr>
+            <a:r>
+              <a:rPr lang="en-GB" dirty="0" smtClean="0"/>
+              <a:t>Fig- To operate this system user need to register first</a:t>
+            </a:r>
             <a:endParaRPr lang="en-IN" dirty="0"/>
           </a:p>
         </p:txBody>
@@ -12751,7 +12579,7 @@
     </p:spTree>
     <p:extLst>
       <p:ext uri="{BB962C8B-B14F-4D97-AF65-F5344CB8AC3E}">
-        <p14:creationId xmlns:p14="http://schemas.microsoft.com/office/powerpoint/2010/main" val="3521308682"/>
+        <p14:creationId xmlns:p14="http://schemas.microsoft.com/office/powerpoint/2010/main" val="595128666"/>
       </p:ext>
     </p:extLst>
   </p:cSld>
@@ -12778,6 +12606,258 @@
           <a:chExt cx="0" cy="0"/>
         </a:xfrm>
       </p:grpSpPr>
+      <p:pic>
+        <p:nvPicPr>
+          <p:cNvPr id="3" name="Picture 2"/>
+          <p:cNvPicPr>
+            <a:picLocks noChangeAspect="1"/>
+          </p:cNvPicPr>
+          <p:nvPr/>
+        </p:nvPicPr>
+        <p:blipFill>
+          <a:blip r:embed="rId2"/>
+          <a:stretch>
+            <a:fillRect/>
+          </a:stretch>
+        </p:blipFill>
+        <p:spPr>
+          <a:xfrm>
+            <a:off x="0" y="0"/>
+            <a:ext cx="11125604" cy="5745851"/>
+          </a:xfrm>
+          <a:prstGeom prst="rect">
+            <a:avLst/>
+          </a:prstGeom>
+        </p:spPr>
+      </p:pic>
+      <p:sp>
+        <p:nvSpPr>
+          <p:cNvPr id="4" name="TextBox 3"/>
+          <p:cNvSpPr txBox="1"/>
+          <p:nvPr/>
+        </p:nvSpPr>
+        <p:spPr>
+          <a:xfrm>
+            <a:off x="906308" y="5745851"/>
+            <a:ext cx="8205324" cy="369332"/>
+          </a:xfrm>
+          <a:prstGeom prst="rect">
+            <a:avLst/>
+          </a:prstGeom>
+          <a:noFill/>
+        </p:spPr>
+        <p:txBody>
+          <a:bodyPr wrap="square" rtlCol="0">
+            <a:spAutoFit/>
+          </a:bodyPr>
+          <a:lstStyle/>
+          <a:p>
+            <a:r>
+              <a:rPr lang="en-GB" dirty="0" smtClean="0"/>
+              <a:t>Fig.-Login page for user to operate system</a:t>
+            </a:r>
+            <a:endParaRPr lang="en-IN" dirty="0"/>
+          </a:p>
+        </p:txBody>
+      </p:sp>
+    </p:spTree>
+    <p:extLst>
+      <p:ext uri="{BB962C8B-B14F-4D97-AF65-F5344CB8AC3E}">
+        <p14:creationId xmlns:p14="http://schemas.microsoft.com/office/powerpoint/2010/main" val="271061052"/>
+      </p:ext>
+    </p:extLst>
+  </p:cSld>
+  <p:clrMapOvr>
+    <a:masterClrMapping/>
+  </p:clrMapOvr>
+</p:sld>
+</file>
+
+<file path=ppt/slides/slide17.xml><?xml version="1.0" encoding="utf-8"?>
+<p:sld xmlns:a="http://schemas.openxmlformats.org/drawingml/2006/main" xmlns:r="http://schemas.openxmlformats.org/officeDocument/2006/relationships" xmlns:p="http://schemas.openxmlformats.org/presentationml/2006/main">
+  <p:cSld>
+    <p:spTree>
+      <p:nvGrpSpPr>
+        <p:cNvPr id="1" name=""/>
+        <p:cNvGrpSpPr/>
+        <p:nvPr/>
+      </p:nvGrpSpPr>
+      <p:grpSpPr>
+        <a:xfrm>
+          <a:off x="0" y="0"/>
+          <a:ext cx="0" cy="0"/>
+          <a:chOff x="0" y="0"/>
+          <a:chExt cx="0" cy="0"/>
+        </a:xfrm>
+      </p:grpSpPr>
+      <p:pic>
+        <p:nvPicPr>
+          <p:cNvPr id="3" name="Picture 2"/>
+          <p:cNvPicPr>
+            <a:picLocks noChangeAspect="1"/>
+          </p:cNvPicPr>
+          <p:nvPr/>
+        </p:nvPicPr>
+        <p:blipFill>
+          <a:blip r:embed="rId2"/>
+          <a:stretch>
+            <a:fillRect/>
+          </a:stretch>
+        </p:blipFill>
+        <p:spPr>
+          <a:xfrm>
+            <a:off x="70616" y="0"/>
+            <a:ext cx="11014988" cy="6416484"/>
+          </a:xfrm>
+          <a:prstGeom prst="rect">
+            <a:avLst/>
+          </a:prstGeom>
+        </p:spPr>
+      </p:pic>
+      <p:sp>
+        <p:nvSpPr>
+          <p:cNvPr id="4" name="TextBox 3"/>
+          <p:cNvSpPr txBox="1"/>
+          <p:nvPr/>
+        </p:nvSpPr>
+        <p:spPr>
+          <a:xfrm>
+            <a:off x="631179" y="6457444"/>
+            <a:ext cx="9095448" cy="369332"/>
+          </a:xfrm>
+          <a:prstGeom prst="rect">
+            <a:avLst/>
+          </a:prstGeom>
+          <a:noFill/>
+        </p:spPr>
+        <p:txBody>
+          <a:bodyPr wrap="square" rtlCol="0">
+            <a:spAutoFit/>
+          </a:bodyPr>
+          <a:lstStyle/>
+          <a:p>
+            <a:r>
+              <a:rPr lang="en-GB" dirty="0" smtClean="0"/>
+              <a:t>Fig.- Final output for user to view all emails</a:t>
+            </a:r>
+            <a:endParaRPr lang="en-IN" dirty="0"/>
+          </a:p>
+        </p:txBody>
+      </p:sp>
+    </p:spTree>
+    <p:extLst>
+      <p:ext uri="{BB962C8B-B14F-4D97-AF65-F5344CB8AC3E}">
+        <p14:creationId xmlns:p14="http://schemas.microsoft.com/office/powerpoint/2010/main" val="2959899851"/>
+      </p:ext>
+    </p:extLst>
+  </p:cSld>
+  <p:clrMapOvr>
+    <a:masterClrMapping/>
+  </p:clrMapOvr>
+</p:sld>
+</file>
+
+<file path=ppt/slides/slide18.xml><?xml version="1.0" encoding="utf-8"?>
+<p:sld xmlns:a="http://schemas.openxmlformats.org/drawingml/2006/main" xmlns:r="http://schemas.openxmlformats.org/officeDocument/2006/relationships" xmlns:p="http://schemas.openxmlformats.org/presentationml/2006/main">
+  <p:cSld>
+    <p:spTree>
+      <p:nvGrpSpPr>
+        <p:cNvPr id="1" name=""/>
+        <p:cNvGrpSpPr/>
+        <p:nvPr/>
+      </p:nvGrpSpPr>
+      <p:grpSpPr>
+        <a:xfrm>
+          <a:off x="0" y="0"/>
+          <a:ext cx="0" cy="0"/>
+          <a:chOff x="0" y="0"/>
+          <a:chExt cx="0" cy="0"/>
+        </a:xfrm>
+      </p:grpSpPr>
+      <p:pic>
+        <p:nvPicPr>
+          <p:cNvPr id="3" name="Picture 2"/>
+          <p:cNvPicPr>
+            <a:picLocks noChangeAspect="1"/>
+          </p:cNvPicPr>
+          <p:nvPr/>
+        </p:nvPicPr>
+        <p:blipFill>
+          <a:blip r:embed="rId2"/>
+          <a:stretch>
+            <a:fillRect/>
+          </a:stretch>
+        </p:blipFill>
+        <p:spPr>
+          <a:xfrm>
+            <a:off x="244229" y="734772"/>
+            <a:ext cx="10473554" cy="4126100"/>
+          </a:xfrm>
+          <a:prstGeom prst="rect">
+            <a:avLst/>
+          </a:prstGeom>
+        </p:spPr>
+      </p:pic>
+      <p:sp>
+        <p:nvSpPr>
+          <p:cNvPr id="4" name="TextBox 3"/>
+          <p:cNvSpPr txBox="1"/>
+          <p:nvPr/>
+        </p:nvSpPr>
+        <p:spPr>
+          <a:xfrm>
+            <a:off x="647363" y="5154627"/>
+            <a:ext cx="7800722" cy="369332"/>
+          </a:xfrm>
+          <a:prstGeom prst="rect">
+            <a:avLst/>
+          </a:prstGeom>
+          <a:noFill/>
+        </p:spPr>
+        <p:txBody>
+          <a:bodyPr wrap="square" rtlCol="0">
+            <a:spAutoFit/>
+          </a:bodyPr>
+          <a:lstStyle/>
+          <a:p>
+            <a:r>
+              <a:rPr lang="en-GB" dirty="0" smtClean="0"/>
+              <a:t>Fig.- User can send an email to multiple users at once</a:t>
+            </a:r>
+            <a:endParaRPr lang="en-IN" dirty="0"/>
+          </a:p>
+        </p:txBody>
+      </p:sp>
+    </p:spTree>
+    <p:extLst>
+      <p:ext uri="{BB962C8B-B14F-4D97-AF65-F5344CB8AC3E}">
+        <p14:creationId xmlns:p14="http://schemas.microsoft.com/office/powerpoint/2010/main" val="519971723"/>
+      </p:ext>
+    </p:extLst>
+  </p:cSld>
+  <p:clrMapOvr>
+    <a:masterClrMapping/>
+  </p:clrMapOvr>
+</p:sld>
+</file>
+
+<file path=ppt/slides/slide19.xml><?xml version="1.0" encoding="utf-8"?>
+<p:sld xmlns:a="http://schemas.openxmlformats.org/drawingml/2006/main" xmlns:r="http://schemas.openxmlformats.org/officeDocument/2006/relationships" xmlns:p="http://schemas.openxmlformats.org/presentationml/2006/main">
+  <p:cSld>
+    <p:spTree>
+      <p:nvGrpSpPr>
+        <p:cNvPr id="1" name=""/>
+        <p:cNvGrpSpPr/>
+        <p:nvPr/>
+      </p:nvGrpSpPr>
+      <p:grpSpPr>
+        <a:xfrm>
+          <a:off x="0" y="0"/>
+          <a:ext cx="0" cy="0"/>
+          <a:chOff x="0" y="0"/>
+          <a:chExt cx="0" cy="0"/>
+        </a:xfrm>
+      </p:grpSpPr>
       <p:sp>
         <p:nvSpPr>
           <p:cNvPr id="2" name="Title 1"/>
@@ -12788,31 +12868,112 @@
             <p:ph type="title"/>
           </p:nvPr>
         </p:nvSpPr>
+        <p:spPr/>
+        <p:txBody>
+          <a:bodyPr/>
+          <a:lstStyle/>
+          <a:p>
+            <a:r>
+              <a:rPr lang="en-GB" dirty="0" smtClean="0"/>
+              <a:t>Advantages:</a:t>
+            </a:r>
+            <a:endParaRPr lang="en-IN" dirty="0"/>
+          </a:p>
+        </p:txBody>
+      </p:sp>
+      <p:sp>
+        <p:nvSpPr>
+          <p:cNvPr id="3" name="TextBox 2"/>
+          <p:cNvSpPr txBox="1"/>
+          <p:nvPr/>
+        </p:nvSpPr>
         <p:spPr>
           <a:xfrm>
-            <a:off x="1235685" y="2826817"/>
-            <a:ext cx="8596668" cy="1320800"/>
+            <a:off x="760651" y="1715512"/>
+            <a:ext cx="8253876" cy="2554545"/>
           </a:xfrm>
+          <a:prstGeom prst="rect">
+            <a:avLst/>
+          </a:prstGeom>
+          <a:noFill/>
         </p:spPr>
         <p:txBody>
-          <a:bodyPr>
-            <a:normAutofit/>
+          <a:bodyPr wrap="square" rtlCol="0">
+            <a:spAutoFit/>
           </a:bodyPr>
           <a:lstStyle/>
           <a:p>
-            <a:pPr algn="ctr"/>
-            <a:r>
-              <a:rPr lang="en-GB" sz="6000" dirty="0" smtClean="0"/>
-              <a:t>THANK YOU!</a:t>
-            </a:r>
-            <a:endParaRPr lang="en-IN" sz="6000" dirty="0"/>
+            <a:pPr marL="342900" indent="-342900">
+              <a:buFont typeface="+mj-lt"/>
+              <a:buAutoNum type="arabicPeriod"/>
+            </a:pPr>
+            <a:r>
+              <a:rPr lang="en-GB" sz="2000" dirty="0"/>
+              <a:t>E-mails turn to be cheaper alternative to telephone conversation.</a:t>
+            </a:r>
+          </a:p>
+          <a:p>
+            <a:pPr marL="342900" indent="-342900">
+              <a:buFont typeface="+mj-lt"/>
+              <a:buAutoNum type="arabicPeriod"/>
+            </a:pPr>
+            <a:endParaRPr lang="en-GB" sz="2000" dirty="0"/>
+          </a:p>
+          <a:p>
+            <a:pPr marL="342900" indent="-342900">
+              <a:buFont typeface="+mj-lt"/>
+              <a:buAutoNum type="arabicPeriod"/>
+            </a:pPr>
+            <a:r>
+              <a:rPr lang="en-GB" sz="2000" dirty="0"/>
+              <a:t>Eliminates time spent in establishing telephone calls.</a:t>
+            </a:r>
+          </a:p>
+          <a:p>
+            <a:pPr marL="342900" indent="-342900">
+              <a:buFont typeface="+mj-lt"/>
+              <a:buAutoNum type="arabicPeriod"/>
+            </a:pPr>
+            <a:endParaRPr lang="en-GB" sz="2000" dirty="0"/>
+          </a:p>
+          <a:p>
+            <a:pPr marL="342900" indent="-342900">
+              <a:buFont typeface="+mj-lt"/>
+              <a:buAutoNum type="arabicPeriod"/>
+            </a:pPr>
+            <a:r>
+              <a:rPr lang="en-GB" sz="2000" dirty="0"/>
+              <a:t>Email saves environment as it is a paperless communication.</a:t>
+            </a:r>
+          </a:p>
+          <a:p>
+            <a:pPr marL="342900" indent="-342900">
+              <a:buFont typeface="+mj-lt"/>
+              <a:buAutoNum type="arabicPeriod"/>
+            </a:pPr>
+            <a:endParaRPr lang="en-GB" sz="2000" dirty="0"/>
+          </a:p>
+          <a:p>
+            <a:pPr marL="342900" indent="-342900">
+              <a:buFont typeface="+mj-lt"/>
+              <a:buAutoNum type="arabicPeriod"/>
+            </a:pPr>
+            <a:r>
+              <a:rPr lang="en-GB" sz="2000" dirty="0"/>
+              <a:t>Emails are more convenient than any other mode of communication</a:t>
+            </a:r>
+            <a:r>
+              <a:rPr lang="en-GB" sz="2000" dirty="0" smtClean="0"/>
+              <a:t>. </a:t>
+            </a:r>
+            <a:endParaRPr lang="en-IN" sz="2000" dirty="0"/>
           </a:p>
         </p:txBody>
       </p:sp>
     </p:spTree>
     <p:extLst>
       <p:ext uri="{BB962C8B-B14F-4D97-AF65-F5344CB8AC3E}">
-        <p14:creationId xmlns:p14="http://schemas.microsoft.com/office/powerpoint/2010/main" val="2076167021"/>
+        <p14:creationId xmlns:p14="http://schemas.microsoft.com/office/powerpoint/2010/main" val="2295314043"/>
       </p:ext>
     </p:extLst>
   </p:cSld>
@@ -12889,7 +13050,7 @@
           </a:bodyPr>
           <a:lstStyle/>
           <a:p>
-            <a:pPr marL="285750" indent="-285750">
+            <a:pPr marL="285750" indent="-285750" algn="just">
               <a:buFont typeface="Arial" panose="020B0604020202020204" pitchFamily="34" charset="0"/>
               <a:buChar char="•"/>
             </a:pPr>
@@ -12899,14 +13060,14 @@
             </a:r>
           </a:p>
           <a:p>
-            <a:pPr marL="285750" indent="-285750">
+            <a:pPr marL="285750" indent="-285750" algn="just">
               <a:buFont typeface="Arial" panose="020B0604020202020204" pitchFamily="34" charset="0"/>
               <a:buChar char="•"/>
             </a:pPr>
             <a:endParaRPr lang="en-GB" dirty="0"/>
           </a:p>
           <a:p>
-            <a:pPr marL="285750" indent="-285750">
+            <a:pPr marL="285750" indent="-285750" algn="just">
               <a:buFont typeface="Arial" panose="020B0604020202020204" pitchFamily="34" charset="0"/>
               <a:buChar char="•"/>
             </a:pPr>
@@ -12935,6 +13096,361 @@
       </p:par>
     </p:tnLst>
   </p:timing>
+</p:sld>
+</file>
+
+<file path=ppt/slides/slide20.xml><?xml version="1.0" encoding="utf-8"?>
+<p:sld xmlns:a="http://schemas.openxmlformats.org/drawingml/2006/main" xmlns:r="http://schemas.openxmlformats.org/officeDocument/2006/relationships" xmlns:p="http://schemas.openxmlformats.org/presentationml/2006/main">
+  <p:cSld>
+    <p:spTree>
+      <p:nvGrpSpPr>
+        <p:cNvPr id="1" name=""/>
+        <p:cNvGrpSpPr/>
+        <p:nvPr/>
+      </p:nvGrpSpPr>
+      <p:grpSpPr>
+        <a:xfrm>
+          <a:off x="0" y="0"/>
+          <a:ext cx="0" cy="0"/>
+          <a:chOff x="0" y="0"/>
+          <a:chExt cx="0" cy="0"/>
+        </a:xfrm>
+      </p:grpSpPr>
+      <p:sp>
+        <p:nvSpPr>
+          <p:cNvPr id="2" name="Title 1"/>
+          <p:cNvSpPr>
+            <a:spLocks noGrp="1"/>
+          </p:cNvSpPr>
+          <p:nvPr>
+            <p:ph type="title"/>
+          </p:nvPr>
+        </p:nvSpPr>
+        <p:spPr>
+          <a:xfrm>
+            <a:off x="458849" y="302103"/>
+            <a:ext cx="8596668" cy="1320800"/>
+          </a:xfrm>
+        </p:spPr>
+        <p:txBody>
+          <a:bodyPr/>
+          <a:lstStyle/>
+          <a:p>
+            <a:r>
+              <a:rPr lang="en-GB" dirty="0" smtClean="0"/>
+              <a:t>References:</a:t>
+            </a:r>
+            <a:endParaRPr lang="en-IN" dirty="0"/>
+          </a:p>
+        </p:txBody>
+      </p:sp>
+      <p:sp>
+        <p:nvSpPr>
+          <p:cNvPr id="5" name="TextBox 4"/>
+          <p:cNvSpPr txBox="1"/>
+          <p:nvPr/>
+        </p:nvSpPr>
+        <p:spPr>
+          <a:xfrm>
+            <a:off x="612598" y="1229989"/>
+            <a:ext cx="8725611" cy="5632311"/>
+          </a:xfrm>
+          <a:prstGeom prst="rect">
+            <a:avLst/>
+          </a:prstGeom>
+          <a:noFill/>
+        </p:spPr>
+        <p:txBody>
+          <a:bodyPr wrap="square" rtlCol="0">
+            <a:spAutoFit/>
+          </a:bodyPr>
+          <a:lstStyle/>
+          <a:p>
+            <a:pPr marL="285750" indent="-285750">
+              <a:buFont typeface="Arial" panose="020B0604020202020204" pitchFamily="34" charset="0"/>
+              <a:buChar char="•"/>
+            </a:pPr>
+            <a:r>
+              <a:rPr lang="en-IN" dirty="0">
+                <a:hlinkClick r:id="rId2"/>
+              </a:rPr>
+              <a:t>https://www.postman.com/downloads</a:t>
+            </a:r>
+            <a:r>
+              <a:rPr lang="en-IN" dirty="0" smtClean="0">
+                <a:hlinkClick r:id="rId2"/>
+              </a:rPr>
+              <a:t>/</a:t>
+            </a:r>
+            <a:endParaRPr lang="en-IN" dirty="0" smtClean="0"/>
+          </a:p>
+          <a:p>
+            <a:pPr marL="285750" indent="-285750">
+              <a:buFont typeface="Arial" panose="020B0604020202020204" pitchFamily="34" charset="0"/>
+              <a:buChar char="•"/>
+            </a:pPr>
+            <a:endParaRPr lang="en-IN" dirty="0" smtClean="0"/>
+          </a:p>
+          <a:p>
+            <a:pPr marL="285750" indent="-285750">
+              <a:buFont typeface="Arial" panose="020B0604020202020204" pitchFamily="34" charset="0"/>
+              <a:buChar char="•"/>
+            </a:pPr>
+            <a:r>
+              <a:rPr lang="en-IN" dirty="0">
+                <a:hlinkClick r:id="rId3"/>
+              </a:rPr>
+              <a:t>https://start.spring.io</a:t>
+            </a:r>
+            <a:r>
+              <a:rPr lang="en-IN" dirty="0" smtClean="0">
+                <a:hlinkClick r:id="rId3"/>
+              </a:rPr>
+              <a:t>/</a:t>
+            </a:r>
+            <a:endParaRPr lang="en-IN" dirty="0" smtClean="0"/>
+          </a:p>
+          <a:p>
+            <a:pPr marL="285750" indent="-285750">
+              <a:buFont typeface="Arial" panose="020B0604020202020204" pitchFamily="34" charset="0"/>
+              <a:buChar char="•"/>
+            </a:pPr>
+            <a:endParaRPr lang="en-GB" dirty="0"/>
+          </a:p>
+          <a:p>
+            <a:pPr marL="285750" indent="-285750">
+              <a:buFont typeface="Arial" panose="020B0604020202020204" pitchFamily="34" charset="0"/>
+              <a:buChar char="•"/>
+            </a:pPr>
+            <a:r>
+              <a:rPr lang="en-IN" dirty="0">
+                <a:hlinkClick r:id="rId4"/>
+              </a:rPr>
+              <a:t>https://</a:t>
+            </a:r>
+            <a:r>
+              <a:rPr lang="en-IN" dirty="0" smtClean="0">
+                <a:hlinkClick r:id="rId4"/>
+              </a:rPr>
+              <a:t>my.vertabelo.com/logical/model/VeuYCyhmr665UmmTWCIENaSlxSVSe0nm</a:t>
+            </a:r>
+            <a:endParaRPr lang="en-IN" dirty="0" smtClean="0"/>
+          </a:p>
+          <a:p>
+            <a:pPr marL="285750" indent="-285750">
+              <a:buFont typeface="Arial" panose="020B0604020202020204" pitchFamily="34" charset="0"/>
+              <a:buChar char="•"/>
+            </a:pPr>
+            <a:r>
+              <a:rPr lang="en-IN" dirty="0">
+                <a:hlinkClick r:id="rId5"/>
+              </a:rPr>
+              <a:t>https://www.phpmyadmin.net</a:t>
+            </a:r>
+            <a:r>
+              <a:rPr lang="en-IN" dirty="0" smtClean="0">
+                <a:hlinkClick r:id="rId5"/>
+              </a:rPr>
+              <a:t>/</a:t>
+            </a:r>
+            <a:endParaRPr lang="en-IN" dirty="0" smtClean="0"/>
+          </a:p>
+          <a:p>
+            <a:pPr marL="285750" indent="-285750">
+              <a:buFont typeface="Arial" panose="020B0604020202020204" pitchFamily="34" charset="0"/>
+              <a:buChar char="•"/>
+            </a:pPr>
+            <a:endParaRPr lang="en-IN" dirty="0" smtClean="0"/>
+          </a:p>
+          <a:p>
+            <a:pPr marL="285750" indent="-285750">
+              <a:buFont typeface="Arial" panose="020B0604020202020204" pitchFamily="34" charset="0"/>
+              <a:buChar char="•"/>
+            </a:pPr>
+            <a:r>
+              <a:rPr lang="en-IN" dirty="0">
+                <a:hlinkClick r:id="rId6"/>
+              </a:rPr>
+              <a:t>https://</a:t>
+            </a:r>
+            <a:r>
+              <a:rPr lang="en-IN" dirty="0" smtClean="0">
+                <a:hlinkClick r:id="rId6"/>
+              </a:rPr>
+              <a:t>www.sublimetext.com/download</a:t>
+            </a:r>
+            <a:endParaRPr lang="en-IN" dirty="0" smtClean="0"/>
+          </a:p>
+          <a:p>
+            <a:pPr marL="285750" indent="-285750">
+              <a:buFont typeface="Arial" panose="020B0604020202020204" pitchFamily="34" charset="0"/>
+              <a:buChar char="•"/>
+            </a:pPr>
+            <a:endParaRPr lang="en-GB" dirty="0"/>
+          </a:p>
+          <a:p>
+            <a:pPr marL="285750" indent="-285750">
+              <a:buFont typeface="Arial" panose="020B0604020202020204" pitchFamily="34" charset="0"/>
+              <a:buChar char="•"/>
+            </a:pPr>
+            <a:r>
+              <a:rPr lang="en-IN" dirty="0">
+                <a:hlinkClick r:id="rId7"/>
+              </a:rPr>
+              <a:t>https://</a:t>
+            </a:r>
+            <a:r>
+              <a:rPr lang="en-IN" dirty="0" smtClean="0">
+                <a:hlinkClick r:id="rId7"/>
+              </a:rPr>
+              <a:t>www.w3schools.com/html/html_images.asp</a:t>
+            </a:r>
+            <a:endParaRPr lang="en-IN" dirty="0" smtClean="0"/>
+          </a:p>
+          <a:p>
+            <a:pPr marL="285750" indent="-285750">
+              <a:buFont typeface="Arial" panose="020B0604020202020204" pitchFamily="34" charset="0"/>
+              <a:buChar char="•"/>
+            </a:pPr>
+            <a:endParaRPr lang="en-GB" dirty="0"/>
+          </a:p>
+          <a:p>
+            <a:pPr marL="285750" indent="-285750">
+              <a:buFont typeface="Arial" panose="020B0604020202020204" pitchFamily="34" charset="0"/>
+              <a:buChar char="•"/>
+            </a:pPr>
+            <a:r>
+              <a:rPr lang="en-IN" dirty="0">
+                <a:hlinkClick r:id="rId8"/>
+              </a:rPr>
+              <a:t>https://</a:t>
+            </a:r>
+            <a:r>
+              <a:rPr lang="en-IN" dirty="0" smtClean="0">
+                <a:hlinkClick r:id="rId8"/>
+              </a:rPr>
+              <a:t>www.w3schools.com/html/html_classes.asp</a:t>
+            </a:r>
+            <a:endParaRPr lang="en-IN" dirty="0" smtClean="0"/>
+          </a:p>
+          <a:p>
+            <a:pPr marL="285750" indent="-285750">
+              <a:buFont typeface="Arial" panose="020B0604020202020204" pitchFamily="34" charset="0"/>
+              <a:buChar char="•"/>
+            </a:pPr>
+            <a:endParaRPr lang="en-IN" dirty="0"/>
+          </a:p>
+          <a:p>
+            <a:pPr marL="285750" indent="-285750">
+              <a:buFont typeface="Arial" panose="020B0604020202020204" pitchFamily="34" charset="0"/>
+              <a:buChar char="•"/>
+            </a:pPr>
+            <a:endParaRPr lang="en-IN" dirty="0"/>
+          </a:p>
+          <a:p>
+            <a:pPr marL="285750" indent="-285750">
+              <a:buFont typeface="Arial" panose="020B0604020202020204" pitchFamily="34" charset="0"/>
+              <a:buChar char="•"/>
+            </a:pPr>
+            <a:endParaRPr lang="en-IN" dirty="0" smtClean="0"/>
+          </a:p>
+          <a:p>
+            <a:pPr marL="285750" indent="-285750">
+              <a:buFont typeface="Arial" panose="020B0604020202020204" pitchFamily="34" charset="0"/>
+              <a:buChar char="•"/>
+            </a:pPr>
+            <a:endParaRPr lang="en-GB" dirty="0"/>
+          </a:p>
+          <a:p>
+            <a:endParaRPr lang="en-IN" dirty="0"/>
+          </a:p>
+          <a:p>
+            <a:pPr marL="285750" indent="-285750">
+              <a:buFont typeface="Arial" panose="020B0604020202020204" pitchFamily="34" charset="0"/>
+              <a:buChar char="•"/>
+            </a:pPr>
+            <a:endParaRPr lang="en-GB" dirty="0" smtClean="0"/>
+          </a:p>
+          <a:p>
+            <a:pPr marL="285750" indent="-285750">
+              <a:buFont typeface="Arial" panose="020B0604020202020204" pitchFamily="34" charset="0"/>
+              <a:buChar char="•"/>
+            </a:pPr>
+            <a:endParaRPr lang="en-IN" dirty="0"/>
+          </a:p>
+        </p:txBody>
+      </p:sp>
+    </p:spTree>
+    <p:extLst>
+      <p:ext uri="{BB962C8B-B14F-4D97-AF65-F5344CB8AC3E}">
+        <p14:creationId xmlns:p14="http://schemas.microsoft.com/office/powerpoint/2010/main" val="3521308682"/>
+      </p:ext>
+    </p:extLst>
+  </p:cSld>
+  <p:clrMapOvr>
+    <a:masterClrMapping/>
+  </p:clrMapOvr>
+</p:sld>
+</file>
+
+<file path=ppt/slides/slide21.xml><?xml version="1.0" encoding="utf-8"?>
+<p:sld xmlns:a="http://schemas.openxmlformats.org/drawingml/2006/main" xmlns:r="http://schemas.openxmlformats.org/officeDocument/2006/relationships" xmlns:p="http://schemas.openxmlformats.org/presentationml/2006/main">
+  <p:cSld>
+    <p:spTree>
+      <p:nvGrpSpPr>
+        <p:cNvPr id="1" name=""/>
+        <p:cNvGrpSpPr/>
+        <p:nvPr/>
+      </p:nvGrpSpPr>
+      <p:grpSpPr>
+        <a:xfrm>
+          <a:off x="0" y="0"/>
+          <a:ext cx="0" cy="0"/>
+          <a:chOff x="0" y="0"/>
+          <a:chExt cx="0" cy="0"/>
+        </a:xfrm>
+      </p:grpSpPr>
+      <p:sp>
+        <p:nvSpPr>
+          <p:cNvPr id="2" name="Title 1"/>
+          <p:cNvSpPr>
+            <a:spLocks noGrp="1"/>
+          </p:cNvSpPr>
+          <p:nvPr>
+            <p:ph type="title"/>
+          </p:nvPr>
+        </p:nvSpPr>
+        <p:spPr>
+          <a:xfrm>
+            <a:off x="1235685" y="2826817"/>
+            <a:ext cx="8596668" cy="1320800"/>
+          </a:xfrm>
+        </p:spPr>
+        <p:txBody>
+          <a:bodyPr>
+            <a:normAutofit/>
+          </a:bodyPr>
+          <a:lstStyle/>
+          <a:p>
+            <a:pPr algn="ctr"/>
+            <a:r>
+              <a:rPr lang="en-GB" sz="6000" dirty="0" smtClean="0"/>
+              <a:t>THANK YOU!</a:t>
+            </a:r>
+            <a:endParaRPr lang="en-IN" sz="6000" dirty="0"/>
+          </a:p>
+        </p:txBody>
+      </p:sp>
+    </p:spTree>
+    <p:extLst>
+      <p:ext uri="{BB962C8B-B14F-4D97-AF65-F5344CB8AC3E}">
+        <p14:creationId xmlns:p14="http://schemas.microsoft.com/office/powerpoint/2010/main" val="2076167021"/>
+      </p:ext>
+    </p:extLst>
+  </p:cSld>
+  <p:clrMapOvr>
+    <a:masterClrMapping/>
+  </p:clrMapOvr>
 </p:sld>
 </file>
 
